--- a/Documentation/Annexes/Maquettes_Schemas/schemas.pptx
+++ b/Documentation/Annexes/Maquettes_Schemas/schemas.pptx
@@ -7,6 +7,7 @@
   <p:sldIdLst>
     <p:sldId id="256" r:id="rId2"/>
     <p:sldId id="257" r:id="rId3"/>
+    <p:sldId id="258" r:id="rId4"/>
   </p:sldIdLst>
   <p:sldSz cx="12192000" cy="6858000"/>
   <p:notesSz cx="6858000" cy="9144000"/>
@@ -244,7 +245,7 @@
           <a:p>
             <a:fld id="{624A925F-B692-47F4-8FD9-A250DC4DC454}" type="datetimeFigureOut">
               <a:rPr lang="fr-CH" smtClean="0"/>
-              <a:t>13.04.2017</a:t>
+              <a:t>18.04.2017</a:t>
             </a:fld>
             <a:endParaRPr lang="fr-CH"/>
           </a:p>
@@ -414,7 +415,7 @@
           <a:p>
             <a:fld id="{624A925F-B692-47F4-8FD9-A250DC4DC454}" type="datetimeFigureOut">
               <a:rPr lang="fr-CH" smtClean="0"/>
-              <a:t>13.04.2017</a:t>
+              <a:t>18.04.2017</a:t>
             </a:fld>
             <a:endParaRPr lang="fr-CH"/>
           </a:p>
@@ -594,7 +595,7 @@
           <a:p>
             <a:fld id="{624A925F-B692-47F4-8FD9-A250DC4DC454}" type="datetimeFigureOut">
               <a:rPr lang="fr-CH" smtClean="0"/>
-              <a:t>13.04.2017</a:t>
+              <a:t>18.04.2017</a:t>
             </a:fld>
             <a:endParaRPr lang="fr-CH"/>
           </a:p>
@@ -764,7 +765,7 @@
           <a:p>
             <a:fld id="{624A925F-B692-47F4-8FD9-A250DC4DC454}" type="datetimeFigureOut">
               <a:rPr lang="fr-CH" smtClean="0"/>
-              <a:t>13.04.2017</a:t>
+              <a:t>18.04.2017</a:t>
             </a:fld>
             <a:endParaRPr lang="fr-CH"/>
           </a:p>
@@ -1010,7 +1011,7 @@
           <a:p>
             <a:fld id="{624A925F-B692-47F4-8FD9-A250DC4DC454}" type="datetimeFigureOut">
               <a:rPr lang="fr-CH" smtClean="0"/>
-              <a:t>13.04.2017</a:t>
+              <a:t>18.04.2017</a:t>
             </a:fld>
             <a:endParaRPr lang="fr-CH"/>
           </a:p>
@@ -1242,7 +1243,7 @@
           <a:p>
             <a:fld id="{624A925F-B692-47F4-8FD9-A250DC4DC454}" type="datetimeFigureOut">
               <a:rPr lang="fr-CH" smtClean="0"/>
-              <a:t>13.04.2017</a:t>
+              <a:t>18.04.2017</a:t>
             </a:fld>
             <a:endParaRPr lang="fr-CH"/>
           </a:p>
@@ -1609,7 +1610,7 @@
           <a:p>
             <a:fld id="{624A925F-B692-47F4-8FD9-A250DC4DC454}" type="datetimeFigureOut">
               <a:rPr lang="fr-CH" smtClean="0"/>
-              <a:t>13.04.2017</a:t>
+              <a:t>18.04.2017</a:t>
             </a:fld>
             <a:endParaRPr lang="fr-CH"/>
           </a:p>
@@ -1727,7 +1728,7 @@
           <a:p>
             <a:fld id="{624A925F-B692-47F4-8FD9-A250DC4DC454}" type="datetimeFigureOut">
               <a:rPr lang="fr-CH" smtClean="0"/>
-              <a:t>13.04.2017</a:t>
+              <a:t>18.04.2017</a:t>
             </a:fld>
             <a:endParaRPr lang="fr-CH"/>
           </a:p>
@@ -1822,7 +1823,7 @@
           <a:p>
             <a:fld id="{624A925F-B692-47F4-8FD9-A250DC4DC454}" type="datetimeFigureOut">
               <a:rPr lang="fr-CH" smtClean="0"/>
-              <a:t>13.04.2017</a:t>
+              <a:t>18.04.2017</a:t>
             </a:fld>
             <a:endParaRPr lang="fr-CH"/>
           </a:p>
@@ -2099,7 +2100,7 @@
           <a:p>
             <a:fld id="{624A925F-B692-47F4-8FD9-A250DC4DC454}" type="datetimeFigureOut">
               <a:rPr lang="fr-CH" smtClean="0"/>
-              <a:t>13.04.2017</a:t>
+              <a:t>18.04.2017</a:t>
             </a:fld>
             <a:endParaRPr lang="fr-CH"/>
           </a:p>
@@ -2352,7 +2353,7 @@
           <a:p>
             <a:fld id="{624A925F-B692-47F4-8FD9-A250DC4DC454}" type="datetimeFigureOut">
               <a:rPr lang="fr-CH" smtClean="0"/>
-              <a:t>13.04.2017</a:t>
+              <a:t>18.04.2017</a:t>
             </a:fld>
             <a:endParaRPr lang="fr-CH"/>
           </a:p>
@@ -2565,7 +2566,7 @@
           <a:p>
             <a:fld id="{624A925F-B692-47F4-8FD9-A250DC4DC454}" type="datetimeFigureOut">
               <a:rPr lang="fr-CH" smtClean="0"/>
-              <a:t>13.04.2017</a:t>
+              <a:t>18.04.2017</a:t>
             </a:fld>
             <a:endParaRPr lang="fr-CH"/>
           </a:p>
@@ -3283,15 +3284,7 @@
           <a:p>
             <a:r>
               <a:rPr lang="en-US" dirty="0" smtClean="0"/>
-              <a:t>L’interaction avec l’API </a:t>
-            </a:r>
-            <a:r>
-              <a:rPr lang="en-US" dirty="0" smtClean="0"/>
-              <a:t>ne se </a:t>
-            </a:r>
-            <a:r>
-              <a:rPr lang="en-US" dirty="0" smtClean="0"/>
-              <a:t>fait qu’avec VueX</a:t>
+              <a:t>L’interaction avec l’API ne se fait qu’avec VueX</a:t>
             </a:r>
             <a:endParaRPr lang="fr-CH" dirty="0"/>
           </a:p>
@@ -3360,10 +3353,18 @@
           <a:lstStyle/>
           <a:p>
             <a:r>
-              <a:rPr lang="en-US" dirty="0" smtClean="0"/>
-              <a:t>L’app va demander le state à VueX et VueX se charge des datas API</a:t>
-            </a:r>
-            <a:endParaRPr lang="fr-CH" dirty="0" smtClean="0"/>
+              <a:rPr lang="en-US" dirty="0" smtClean="0">
+                <a:solidFill>
+                  <a:schemeClr val="bg1"/>
+                </a:solidFill>
+              </a:rPr>
+              <a:t>L’app va demander le state à VueX qui se charge des datas API</a:t>
+            </a:r>
+            <a:endParaRPr lang="fr-CH" dirty="0" smtClean="0">
+              <a:solidFill>
+                <a:schemeClr val="bg1"/>
+              </a:solidFill>
+            </a:endParaRPr>
           </a:p>
           <a:p>
             <a:endParaRPr lang="fr-CH" dirty="0"/>
@@ -3604,7 +3605,6 @@
               <a:rPr lang="en-US" dirty="0" smtClean="0"/>
               <a:t>Dashboard</a:t>
             </a:r>
-            <a:endParaRPr lang="en-US" dirty="0" smtClean="0"/>
           </a:p>
         </p:txBody>
       </p:sp>
@@ -3984,7 +3984,15 @@
           <a:p>
             <a:r>
               <a:rPr lang="en-US" dirty="0" smtClean="0"/>
-              <a:t>Une fois les détails reçus va les mettre dans VueX</a:t>
+              <a:t>Une fois les détails </a:t>
+            </a:r>
+            <a:r>
+              <a:rPr lang="en-US" dirty="0" smtClean="0"/>
+              <a:t>reçus, </a:t>
+            </a:r>
+            <a:r>
+              <a:rPr lang="en-US" dirty="0" smtClean="0"/>
+              <a:t>va les mettre dans VueX</a:t>
             </a:r>
             <a:endParaRPr lang="fr-CH" dirty="0"/>
           </a:p>
@@ -4030,6 +4038,526 @@
     <p:extLst>
       <p:ext uri="{BB962C8B-B14F-4D97-AF65-F5344CB8AC3E}">
         <p14:creationId xmlns:p14="http://schemas.microsoft.com/office/powerpoint/2010/main" val="1688037889"/>
+      </p:ext>
+    </p:extLst>
+  </p:cSld>
+  <p:clrMapOvr>
+    <a:masterClrMapping/>
+  </p:clrMapOvr>
+</p:sld>
+</file>
+
+<file path=ppt/slides/slide3.xml><?xml version="1.0" encoding="utf-8"?>
+<p:sld xmlns:a="http://schemas.openxmlformats.org/drawingml/2006/main" xmlns:r="http://schemas.openxmlformats.org/officeDocument/2006/relationships" xmlns:p="http://schemas.openxmlformats.org/presentationml/2006/main">
+  <p:cSld>
+    <p:spTree>
+      <p:nvGrpSpPr>
+        <p:cNvPr id="1" name=""/>
+        <p:cNvGrpSpPr/>
+        <p:nvPr/>
+      </p:nvGrpSpPr>
+      <p:grpSpPr>
+        <a:xfrm>
+          <a:off x="0" y="0"/>
+          <a:ext cx="0" cy="0"/>
+          <a:chOff x="0" y="0"/>
+          <a:chExt cx="0" cy="0"/>
+        </a:xfrm>
+      </p:grpSpPr>
+      <p:sp>
+        <p:nvSpPr>
+          <p:cNvPr id="10" name="Oval 9"/>
+          <p:cNvSpPr/>
+          <p:nvPr/>
+        </p:nvSpPr>
+        <p:spPr>
+          <a:xfrm>
+            <a:off x="1186249" y="1499287"/>
+            <a:ext cx="4044777" cy="3932213"/>
+          </a:xfrm>
+          <a:prstGeom prst="ellipse">
+            <a:avLst/>
+          </a:prstGeom>
+        </p:spPr>
+        <p:style>
+          <a:lnRef idx="2">
+            <a:schemeClr val="accent1">
+              <a:shade val="50000"/>
+            </a:schemeClr>
+          </a:lnRef>
+          <a:fillRef idx="1">
+            <a:schemeClr val="accent1"/>
+          </a:fillRef>
+          <a:effectRef idx="0">
+            <a:schemeClr val="accent1"/>
+          </a:effectRef>
+          <a:fontRef idx="minor">
+            <a:schemeClr val="lt1"/>
+          </a:fontRef>
+        </p:style>
+        <p:txBody>
+          <a:bodyPr rtlCol="0" anchor="ctr"/>
+          <a:lstStyle/>
+          <a:p>
+            <a:pPr algn="ctr"/>
+            <a:endParaRPr lang="fr-CH" dirty="0"/>
+          </a:p>
+        </p:txBody>
+      </p:sp>
+      <p:sp>
+        <p:nvSpPr>
+          <p:cNvPr id="8" name="Oval 7"/>
+          <p:cNvSpPr/>
+          <p:nvPr/>
+        </p:nvSpPr>
+        <p:spPr>
+          <a:xfrm>
+            <a:off x="1532237" y="3253946"/>
+            <a:ext cx="1359243" cy="1150274"/>
+          </a:xfrm>
+          <a:prstGeom prst="ellipse">
+            <a:avLst/>
+          </a:prstGeom>
+          <a:solidFill>
+            <a:schemeClr val="accent2"/>
+          </a:solidFill>
+        </p:spPr>
+        <p:style>
+          <a:lnRef idx="2">
+            <a:schemeClr val="accent1">
+              <a:shade val="50000"/>
+            </a:schemeClr>
+          </a:lnRef>
+          <a:fillRef idx="1">
+            <a:schemeClr val="accent1"/>
+          </a:fillRef>
+          <a:effectRef idx="0">
+            <a:schemeClr val="accent1"/>
+          </a:effectRef>
+          <a:fontRef idx="minor">
+            <a:schemeClr val="lt1"/>
+          </a:fontRef>
+        </p:style>
+        <p:txBody>
+          <a:bodyPr rtlCol="0" anchor="ctr"/>
+          <a:lstStyle/>
+          <a:p>
+            <a:pPr algn="ctr"/>
+            <a:r>
+              <a:rPr lang="en-US" dirty="0" smtClean="0"/>
+              <a:t>APP</a:t>
+            </a:r>
+          </a:p>
+        </p:txBody>
+      </p:sp>
+      <p:sp>
+        <p:nvSpPr>
+          <p:cNvPr id="9" name="Oval 8"/>
+          <p:cNvSpPr/>
+          <p:nvPr/>
+        </p:nvSpPr>
+        <p:spPr>
+          <a:xfrm>
+            <a:off x="2691189" y="1572212"/>
+            <a:ext cx="988540" cy="972065"/>
+          </a:xfrm>
+          <a:prstGeom prst="ellipse">
+            <a:avLst/>
+          </a:prstGeom>
+          <a:solidFill>
+            <a:srgbClr val="00B050"/>
+          </a:solidFill>
+        </p:spPr>
+        <p:style>
+          <a:lnRef idx="2">
+            <a:schemeClr val="accent1">
+              <a:shade val="50000"/>
+            </a:schemeClr>
+          </a:lnRef>
+          <a:fillRef idx="1">
+            <a:schemeClr val="accent1"/>
+          </a:fillRef>
+          <a:effectRef idx="0">
+            <a:schemeClr val="accent1"/>
+          </a:effectRef>
+          <a:fontRef idx="minor">
+            <a:schemeClr val="lt1"/>
+          </a:fontRef>
+        </p:style>
+        <p:txBody>
+          <a:bodyPr rtlCol="0" anchor="ctr"/>
+          <a:lstStyle/>
+          <a:p>
+            <a:pPr algn="ctr"/>
+            <a:r>
+              <a:rPr lang="en-US" dirty="0" smtClean="0"/>
+              <a:t>VueX</a:t>
+            </a:r>
+            <a:endParaRPr lang="fr-CH" dirty="0"/>
+          </a:p>
+        </p:txBody>
+      </p:sp>
+      <p:cxnSp>
+        <p:nvCxnSpPr>
+          <p:cNvPr id="12" name="Straight Arrow Connector 11"/>
+          <p:cNvCxnSpPr>
+            <a:stCxn id="8" idx="0"/>
+            <a:endCxn id="9" idx="3"/>
+          </p:cNvCxnSpPr>
+          <p:nvPr/>
+        </p:nvCxnSpPr>
+        <p:spPr>
+          <a:xfrm flipV="1">
+            <a:off x="2211859" y="2401921"/>
+            <a:ext cx="624098" cy="852025"/>
+          </a:xfrm>
+          <a:prstGeom prst="straightConnector1">
+            <a:avLst/>
+          </a:prstGeom>
+          <a:ln w="28575">
+            <a:solidFill>
+              <a:schemeClr val="accent6">
+                <a:lumMod val="60000"/>
+                <a:lumOff val="40000"/>
+              </a:schemeClr>
+            </a:solidFill>
+            <a:tailEnd type="triangle"/>
+          </a:ln>
+        </p:spPr>
+        <p:style>
+          <a:lnRef idx="1">
+            <a:schemeClr val="accent1"/>
+          </a:lnRef>
+          <a:fillRef idx="0">
+            <a:schemeClr val="accent1"/>
+          </a:fillRef>
+          <a:effectRef idx="0">
+            <a:schemeClr val="accent1"/>
+          </a:effectRef>
+          <a:fontRef idx="minor">
+            <a:schemeClr val="tx1"/>
+          </a:fontRef>
+        </p:style>
+      </p:cxnSp>
+      <p:sp>
+        <p:nvSpPr>
+          <p:cNvPr id="13" name="TextBox 12"/>
+          <p:cNvSpPr txBox="1"/>
+          <p:nvPr/>
+        </p:nvSpPr>
+        <p:spPr>
+          <a:xfrm>
+            <a:off x="2249906" y="2544277"/>
+            <a:ext cx="274002" cy="369332"/>
+          </a:xfrm>
+          <a:prstGeom prst="rect">
+            <a:avLst/>
+          </a:prstGeom>
+          <a:noFill/>
+        </p:spPr>
+        <p:txBody>
+          <a:bodyPr wrap="square" rtlCol="0">
+            <a:spAutoFit/>
+          </a:bodyPr>
+          <a:lstStyle/>
+          <a:p>
+            <a:r>
+              <a:rPr lang="en-US" dirty="0" smtClean="0">
+                <a:solidFill>
+                  <a:schemeClr val="bg1"/>
+                </a:solidFill>
+              </a:rPr>
+              <a:t>1</a:t>
+            </a:r>
+            <a:endParaRPr lang="fr-CH" dirty="0">
+              <a:solidFill>
+                <a:schemeClr val="bg1"/>
+              </a:solidFill>
+            </a:endParaRPr>
+          </a:p>
+        </p:txBody>
+      </p:sp>
+      <p:cxnSp>
+        <p:nvCxnSpPr>
+          <p:cNvPr id="14" name="Straight Arrow Connector 13"/>
+          <p:cNvCxnSpPr>
+            <a:stCxn id="9" idx="4"/>
+            <a:endCxn id="8" idx="7"/>
+          </p:cNvCxnSpPr>
+          <p:nvPr/>
+        </p:nvCxnSpPr>
+        <p:spPr>
+          <a:xfrm flipH="1">
+            <a:off x="2692423" y="2544277"/>
+            <a:ext cx="493036" cy="878123"/>
+          </a:xfrm>
+          <a:prstGeom prst="straightConnector1">
+            <a:avLst/>
+          </a:prstGeom>
+          <a:ln w="28575">
+            <a:solidFill>
+              <a:schemeClr val="accent6">
+                <a:lumMod val="60000"/>
+                <a:lumOff val="40000"/>
+              </a:schemeClr>
+            </a:solidFill>
+            <a:tailEnd type="triangle"/>
+          </a:ln>
+        </p:spPr>
+        <p:style>
+          <a:lnRef idx="1">
+            <a:schemeClr val="accent1"/>
+          </a:lnRef>
+          <a:fillRef idx="0">
+            <a:schemeClr val="accent1"/>
+          </a:fillRef>
+          <a:effectRef idx="0">
+            <a:schemeClr val="accent1"/>
+          </a:effectRef>
+          <a:fontRef idx="minor">
+            <a:schemeClr val="tx1"/>
+          </a:fontRef>
+        </p:style>
+      </p:cxnSp>
+      <p:sp>
+        <p:nvSpPr>
+          <p:cNvPr id="17" name="TextBox 16"/>
+          <p:cNvSpPr txBox="1"/>
+          <p:nvPr/>
+        </p:nvSpPr>
+        <p:spPr>
+          <a:xfrm>
+            <a:off x="2698956" y="2714445"/>
+            <a:ext cx="274002" cy="369332"/>
+          </a:xfrm>
+          <a:prstGeom prst="rect">
+            <a:avLst/>
+          </a:prstGeom>
+          <a:noFill/>
+        </p:spPr>
+        <p:txBody>
+          <a:bodyPr wrap="square" rtlCol="0">
+            <a:spAutoFit/>
+          </a:bodyPr>
+          <a:lstStyle/>
+          <a:p>
+            <a:r>
+              <a:rPr lang="en-US" dirty="0">
+                <a:solidFill>
+                  <a:schemeClr val="bg1"/>
+                </a:solidFill>
+              </a:rPr>
+              <a:t>2</a:t>
+            </a:r>
+            <a:endParaRPr lang="fr-CH" dirty="0">
+              <a:solidFill>
+                <a:schemeClr val="bg1"/>
+              </a:solidFill>
+            </a:endParaRPr>
+          </a:p>
+        </p:txBody>
+      </p:sp>
+      <p:sp>
+        <p:nvSpPr>
+          <p:cNvPr id="18" name="Rectangle 17"/>
+          <p:cNvSpPr/>
+          <p:nvPr/>
+        </p:nvSpPr>
+        <p:spPr>
+          <a:xfrm>
+            <a:off x="6256636" y="1769921"/>
+            <a:ext cx="1392194" cy="774356"/>
+          </a:xfrm>
+          <a:prstGeom prst="rect">
+            <a:avLst/>
+          </a:prstGeom>
+        </p:spPr>
+        <p:style>
+          <a:lnRef idx="2">
+            <a:schemeClr val="accent1">
+              <a:shade val="50000"/>
+            </a:schemeClr>
+          </a:lnRef>
+          <a:fillRef idx="1">
+            <a:schemeClr val="accent1"/>
+          </a:fillRef>
+          <a:effectRef idx="0">
+            <a:schemeClr val="accent1"/>
+          </a:effectRef>
+          <a:fontRef idx="minor">
+            <a:schemeClr val="lt1"/>
+          </a:fontRef>
+        </p:style>
+        <p:txBody>
+          <a:bodyPr rtlCol="0" anchor="ctr"/>
+          <a:lstStyle/>
+          <a:p>
+            <a:pPr algn="ctr"/>
+            <a:r>
+              <a:rPr lang="en-US" dirty="0" smtClean="0"/>
+              <a:t>API</a:t>
+            </a:r>
+            <a:endParaRPr lang="fr-CH" dirty="0"/>
+          </a:p>
+        </p:txBody>
+      </p:sp>
+      <p:cxnSp>
+        <p:nvCxnSpPr>
+          <p:cNvPr id="24" name="Straight Arrow Connector 23"/>
+          <p:cNvCxnSpPr>
+            <a:stCxn id="9" idx="6"/>
+            <a:endCxn id="18" idx="1"/>
+          </p:cNvCxnSpPr>
+          <p:nvPr/>
+        </p:nvCxnSpPr>
+        <p:spPr>
+          <a:xfrm>
+            <a:off x="3679729" y="2058245"/>
+            <a:ext cx="2576907" cy="98854"/>
+          </a:xfrm>
+          <a:prstGeom prst="straightConnector1">
+            <a:avLst/>
+          </a:prstGeom>
+          <a:ln w="38100">
+            <a:solidFill>
+              <a:schemeClr val="accent6">
+                <a:lumMod val="60000"/>
+                <a:lumOff val="40000"/>
+              </a:schemeClr>
+            </a:solidFill>
+            <a:headEnd type="triangle"/>
+            <a:tailEnd type="triangle"/>
+          </a:ln>
+        </p:spPr>
+        <p:style>
+          <a:lnRef idx="1">
+            <a:schemeClr val="accent1"/>
+          </a:lnRef>
+          <a:fillRef idx="0">
+            <a:schemeClr val="accent1"/>
+          </a:fillRef>
+          <a:effectRef idx="0">
+            <a:schemeClr val="accent1"/>
+          </a:effectRef>
+          <a:fontRef idx="minor">
+            <a:schemeClr val="tx1"/>
+          </a:fontRef>
+        </p:style>
+      </p:cxnSp>
+      <p:sp>
+        <p:nvSpPr>
+          <p:cNvPr id="27" name="TextBox 26"/>
+          <p:cNvSpPr txBox="1"/>
+          <p:nvPr/>
+        </p:nvSpPr>
+        <p:spPr>
+          <a:xfrm>
+            <a:off x="5183957" y="1787767"/>
+            <a:ext cx="301686" cy="369332"/>
+          </a:xfrm>
+          <a:prstGeom prst="rect">
+            <a:avLst/>
+          </a:prstGeom>
+          <a:noFill/>
+        </p:spPr>
+        <p:txBody>
+          <a:bodyPr wrap="none" rtlCol="0">
+            <a:spAutoFit/>
+          </a:bodyPr>
+          <a:lstStyle/>
+          <a:p>
+            <a:r>
+              <a:rPr lang="en-US" dirty="0" smtClean="0"/>
+              <a:t>3</a:t>
+            </a:r>
+            <a:endParaRPr lang="fr-CH" dirty="0"/>
+          </a:p>
+        </p:txBody>
+      </p:sp>
+      <p:cxnSp>
+        <p:nvCxnSpPr>
+          <p:cNvPr id="29" name="Straight Arrow Connector 28"/>
+          <p:cNvCxnSpPr>
+            <a:stCxn id="9" idx="5"/>
+            <a:endCxn id="8" idx="6"/>
+          </p:cNvCxnSpPr>
+          <p:nvPr/>
+        </p:nvCxnSpPr>
+        <p:spPr>
+          <a:xfrm flipH="1">
+            <a:off x="2891480" y="2401921"/>
+            <a:ext cx="643481" cy="1427162"/>
+          </a:xfrm>
+          <a:prstGeom prst="straightConnector1">
+            <a:avLst/>
+          </a:prstGeom>
+          <a:ln w="38100">
+            <a:solidFill>
+              <a:schemeClr val="accent6">
+                <a:lumMod val="60000"/>
+                <a:lumOff val="40000"/>
+              </a:schemeClr>
+            </a:solidFill>
+            <a:tailEnd type="triangle"/>
+          </a:ln>
+        </p:spPr>
+        <p:style>
+          <a:lnRef idx="1">
+            <a:schemeClr val="accent1"/>
+          </a:lnRef>
+          <a:fillRef idx="0">
+            <a:schemeClr val="accent1"/>
+          </a:fillRef>
+          <a:effectRef idx="0">
+            <a:schemeClr val="accent1"/>
+          </a:effectRef>
+          <a:fontRef idx="minor">
+            <a:schemeClr val="tx1"/>
+          </a:fontRef>
+        </p:style>
+      </p:cxnSp>
+      <p:sp>
+        <p:nvSpPr>
+          <p:cNvPr id="30" name="TextBox 29"/>
+          <p:cNvSpPr txBox="1"/>
+          <p:nvPr/>
+        </p:nvSpPr>
+        <p:spPr>
+          <a:xfrm>
+            <a:off x="3159555" y="2976153"/>
+            <a:ext cx="298527" cy="369332"/>
+          </a:xfrm>
+          <a:prstGeom prst="rect">
+            <a:avLst/>
+          </a:prstGeom>
+          <a:noFill/>
+        </p:spPr>
+        <p:txBody>
+          <a:bodyPr wrap="square" rtlCol="0">
+            <a:spAutoFit/>
+          </a:bodyPr>
+          <a:lstStyle/>
+          <a:p>
+            <a:r>
+              <a:rPr lang="en-US" dirty="0" smtClean="0">
+                <a:solidFill>
+                  <a:schemeClr val="bg1"/>
+                </a:solidFill>
+              </a:rPr>
+              <a:t>4</a:t>
+            </a:r>
+            <a:endParaRPr lang="fr-CH" dirty="0">
+              <a:solidFill>
+                <a:schemeClr val="bg1"/>
+              </a:solidFill>
+            </a:endParaRPr>
+          </a:p>
+        </p:txBody>
+      </p:sp>
+    </p:spTree>
+    <p:extLst>
+      <p:ext uri="{BB962C8B-B14F-4D97-AF65-F5344CB8AC3E}">
+        <p14:creationId xmlns:p14="http://schemas.microsoft.com/office/powerpoint/2010/main" val="1277457899"/>
       </p:ext>
     </p:extLst>
   </p:cSld>
